--- a/d6538-sesi10-spk-weighted-product.pptx
+++ b/d6538-sesi10-spk-weighted-product.pptx
@@ -272,7 +272,7 @@
           <a:p>
             <a:fld id="{73A130E5-DE92-4B2E-898F-0CE5A51E78DE}" type="datetimeFigureOut">
               <a:rPr lang="en-US" smtClean="0"/>
-              <a:t>9/19/18</a:t>
+              <a:t>9/25/18</a:t>
             </a:fld>
             <a:endParaRPr lang="en-US"/>
           </a:p>
@@ -470,7 +470,7 @@
           <a:p>
             <a:fld id="{73A130E5-DE92-4B2E-898F-0CE5A51E78DE}" type="datetimeFigureOut">
               <a:rPr lang="en-US" smtClean="0"/>
-              <a:t>9/19/18</a:t>
+              <a:t>9/25/18</a:t>
             </a:fld>
             <a:endParaRPr lang="en-US"/>
           </a:p>
@@ -678,7 +678,7 @@
           <a:p>
             <a:fld id="{73A130E5-DE92-4B2E-898F-0CE5A51E78DE}" type="datetimeFigureOut">
               <a:rPr lang="en-US" smtClean="0"/>
-              <a:t>9/19/18</a:t>
+              <a:t>9/25/18</a:t>
             </a:fld>
             <a:endParaRPr lang="en-US"/>
           </a:p>
@@ -876,7 +876,7 @@
           <a:p>
             <a:fld id="{73A130E5-DE92-4B2E-898F-0CE5A51E78DE}" type="datetimeFigureOut">
               <a:rPr lang="en-US" smtClean="0"/>
-              <a:t>9/19/18</a:t>
+              <a:t>9/25/18</a:t>
             </a:fld>
             <a:endParaRPr lang="en-US"/>
           </a:p>
@@ -1151,7 +1151,7 @@
           <a:p>
             <a:fld id="{73A130E5-DE92-4B2E-898F-0CE5A51E78DE}" type="datetimeFigureOut">
               <a:rPr lang="en-US" smtClean="0"/>
-              <a:t>9/19/18</a:t>
+              <a:t>9/25/18</a:t>
             </a:fld>
             <a:endParaRPr lang="en-US"/>
           </a:p>
@@ -1416,7 +1416,7 @@
           <a:p>
             <a:fld id="{73A130E5-DE92-4B2E-898F-0CE5A51E78DE}" type="datetimeFigureOut">
               <a:rPr lang="en-US" smtClean="0"/>
-              <a:t>9/19/18</a:t>
+              <a:t>9/25/18</a:t>
             </a:fld>
             <a:endParaRPr lang="en-US"/>
           </a:p>
@@ -1828,7 +1828,7 @@
           <a:p>
             <a:fld id="{73A130E5-DE92-4B2E-898F-0CE5A51E78DE}" type="datetimeFigureOut">
               <a:rPr lang="en-US" smtClean="0"/>
-              <a:t>9/19/18</a:t>
+              <a:t>9/25/18</a:t>
             </a:fld>
             <a:endParaRPr lang="en-US"/>
           </a:p>
@@ -1969,7 +1969,7 @@
           <a:p>
             <a:fld id="{73A130E5-DE92-4B2E-898F-0CE5A51E78DE}" type="datetimeFigureOut">
               <a:rPr lang="en-US" smtClean="0"/>
-              <a:t>9/19/18</a:t>
+              <a:t>9/25/18</a:t>
             </a:fld>
             <a:endParaRPr lang="en-US"/>
           </a:p>
@@ -2082,7 +2082,7 @@
           <a:p>
             <a:fld id="{73A130E5-DE92-4B2E-898F-0CE5A51E78DE}" type="datetimeFigureOut">
               <a:rPr lang="en-US" smtClean="0"/>
-              <a:t>9/19/18</a:t>
+              <a:t>9/25/18</a:t>
             </a:fld>
             <a:endParaRPr lang="en-US"/>
           </a:p>
@@ -2393,7 +2393,7 @@
           <a:p>
             <a:fld id="{73A130E5-DE92-4B2E-898F-0CE5A51E78DE}" type="datetimeFigureOut">
               <a:rPr lang="en-US" smtClean="0"/>
-              <a:t>9/19/18</a:t>
+              <a:t>9/25/18</a:t>
             </a:fld>
             <a:endParaRPr lang="en-US"/>
           </a:p>
@@ -2681,7 +2681,7 @@
           <a:p>
             <a:fld id="{73A130E5-DE92-4B2E-898F-0CE5A51E78DE}" type="datetimeFigureOut">
               <a:rPr lang="en-US" smtClean="0"/>
-              <a:t>9/19/18</a:t>
+              <a:t>9/25/18</a:t>
             </a:fld>
             <a:endParaRPr lang="en-US"/>
           </a:p>
@@ -2922,7 +2922,7 @@
           <a:p>
             <a:fld id="{73A130E5-DE92-4B2E-898F-0CE5A51E78DE}" type="datetimeFigureOut">
               <a:rPr lang="en-US" smtClean="0"/>
-              <a:t>9/19/18</a:t>
+              <a:t>9/25/18</a:t>
             </a:fld>
             <a:endParaRPr lang="en-US"/>
           </a:p>
@@ -5482,7 +5482,7 @@
             <p:ph idx="1"/>
             <p:extLst>
               <p:ext uri="{D42A27DB-BD31-4B8C-83A1-F6EECF244321}">
-                <p14:modId xmlns:p14="http://schemas.microsoft.com/office/powerpoint/2010/main" val="675575836"/>
+                <p14:modId xmlns:p14="http://schemas.microsoft.com/office/powerpoint/2010/main" val="1892505018"/>
               </p:ext>
             </p:extLst>
           </p:nvPr>
@@ -5578,7 +5578,10 @@
                         <a:rPr lang="en-US" sz="3200" dirty="0" err="1"/>
                         <a:t>Penting</a:t>
                       </a:r>
-                      <a:endParaRPr lang="en-US" sz="3200" dirty="0"/>
+                      <a:r>
+                        <a:rPr lang="en-US" sz="3200" dirty="0"/>
+                        <a:t> (2)</a:t>
+                      </a:r>
                     </a:p>
                   </a:txBody>
                   <a:tcPr marL="97067" marR="97067"/>
@@ -5613,7 +5616,10 @@
                         <a:rPr lang="en-US" sz="3200" dirty="0" err="1"/>
                         <a:t>Penting</a:t>
                       </a:r>
-                      <a:endParaRPr lang="en-US" sz="3200" dirty="0"/>
+                      <a:r>
+                        <a:rPr lang="en-US" sz="3200" dirty="0"/>
+                        <a:t> (4)</a:t>
+                      </a:r>
                     </a:p>
                   </a:txBody>
                   <a:tcPr marL="97067" marR="97067"/>
@@ -5664,7 +5670,10 @@
                         <a:rPr lang="en-US" sz="3200" dirty="0" err="1"/>
                         <a:t>Penting</a:t>
                       </a:r>
-                      <a:endParaRPr lang="en-US" sz="3200" dirty="0"/>
+                      <a:r>
+                        <a:rPr lang="en-US" sz="3200" dirty="0"/>
+                        <a:t> (3)</a:t>
+                      </a:r>
                     </a:p>
                   </a:txBody>
                   <a:tcPr marL="97067" marR="97067"/>
@@ -5703,7 +5712,10 @@
                         <a:rPr lang="en-US" sz="3200" dirty="0" err="1"/>
                         <a:t>Penting</a:t>
                       </a:r>
-                      <a:endParaRPr lang="en-US" sz="3200" dirty="0"/>
+                      <a:r>
+                        <a:rPr lang="en-US" sz="3200" dirty="0"/>
+                        <a:t>(4)</a:t>
+                      </a:r>
                     </a:p>
                   </a:txBody>
                   <a:tcPr marL="97067" marR="97067"/>
